--- a/SIH2025-OceanAI - AquaMind.pptx
+++ b/SIH2025-OceanAI - AquaMind.pptx
@@ -269,7 +269,7 @@
             <a:fld id="{C4D5ADD5-2BBC-4A94-8F86-D9013941F742}" type="datetimeFigureOut">
               <a:rPr lang="en-US"/>
               <a:pPr/>
-              <a:t>9/15/2025</a:t>
+              <a:t>9/25/2025</a:t>
             </a:fld>
             <a:endParaRPr lang="en-US"/>
           </a:p>
@@ -1542,7 +1542,7 @@
           <a:p>
             <a:fld id="{E60792E3-D524-454C-8AFD-A91972900BCB}" type="datetime1">
               <a:rPr lang="en-US" smtClean="0"/>
-              <a:t>9/15/2025</a:t>
+              <a:t>9/25/2025</a:t>
             </a:fld>
             <a:endParaRPr lang="en-US"/>
           </a:p>
@@ -1724,7 +1724,7 @@
           <a:p>
             <a:fld id="{053C3A68-6922-42D3-8905-ECC2D82A3469}" type="datetime1">
               <a:rPr lang="en-US" smtClean="0"/>
-              <a:t>9/15/2025</a:t>
+              <a:t>9/25/2025</a:t>
             </a:fld>
             <a:endParaRPr lang="en-US"/>
           </a:p>
@@ -1916,7 +1916,7 @@
           <a:p>
             <a:fld id="{CB69E9F4-7604-4950-A8B2-8ACDEDB1506E}" type="datetime1">
               <a:rPr lang="en-US" smtClean="0"/>
-              <a:t>9/15/2025</a:t>
+              <a:t>9/25/2025</a:t>
             </a:fld>
             <a:endParaRPr lang="en-US"/>
           </a:p>
@@ -2098,7 +2098,7 @@
           <a:p>
             <a:fld id="{708B7524-32A2-4C20-A58C-BC3BAA1042FC}" type="datetime1">
               <a:rPr lang="en-US" smtClean="0"/>
-              <a:t>9/15/2025</a:t>
+              <a:t>9/25/2025</a:t>
             </a:fld>
             <a:endParaRPr lang="en-US"/>
           </a:p>
@@ -2357,7 +2357,7 @@
           <a:p>
             <a:fld id="{1E994447-D6B2-43BB-A877-57F1A267B999}" type="datetime1">
               <a:rPr lang="en-US" smtClean="0"/>
-              <a:t>9/15/2025</a:t>
+              <a:t>9/25/2025</a:t>
             </a:fld>
             <a:endParaRPr lang="en-US"/>
           </a:p>
@@ -2656,7 +2656,7 @@
           <a:p>
             <a:fld id="{68920E16-BD35-483C-AA6B-346FC7E46DEA}" type="datetime1">
               <a:rPr lang="en-US" smtClean="0"/>
-              <a:t>9/15/2025</a:t>
+              <a:t>9/25/2025</a:t>
             </a:fld>
             <a:endParaRPr lang="en-US"/>
           </a:p>
@@ -3089,7 +3089,7 @@
           <a:p>
             <a:fld id="{2FEAC6F8-5103-4FC0-A69E-5C6AE6469DA8}" type="datetime1">
               <a:rPr lang="en-US" smtClean="0"/>
-              <a:t>9/15/2025</a:t>
+              <a:t>9/25/2025</a:t>
             </a:fld>
             <a:endParaRPr lang="en-US"/>
           </a:p>
@@ -3220,7 +3220,7 @@
           <a:p>
             <a:fld id="{C60C6921-0627-4C8F-83D5-0CF936D2FFDD}" type="datetime1">
               <a:rPr lang="en-US" smtClean="0"/>
-              <a:t>9/15/2025</a:t>
+              <a:t>9/25/2025</a:t>
             </a:fld>
             <a:endParaRPr lang="en-US"/>
           </a:p>
@@ -3329,7 +3329,7 @@
           <a:p>
             <a:fld id="{2FF08AD7-8103-40F8-983C-E2BA6BB9CBE0}" type="datetime1">
               <a:rPr lang="en-US" smtClean="0"/>
-              <a:t>9/15/2025</a:t>
+              <a:t>9/25/2025</a:t>
             </a:fld>
             <a:endParaRPr lang="en-US"/>
           </a:p>
@@ -3618,7 +3618,7 @@
           <a:p>
             <a:fld id="{DF8C06B4-9380-4A4D-AF49-A3596E17DAF5}" type="datetime1">
               <a:rPr lang="en-US" smtClean="0"/>
-              <a:t>9/15/2025</a:t>
+              <a:t>9/25/2025</a:t>
             </a:fld>
             <a:endParaRPr lang="en-US"/>
           </a:p>
@@ -3887,7 +3887,7 @@
           <a:p>
             <a:fld id="{EF7FDEF1-C582-4E22-9E77-D68326471F28}" type="datetime1">
               <a:rPr lang="en-US" smtClean="0"/>
-              <a:t>9/15/2025</a:t>
+              <a:t>9/25/2025</a:t>
             </a:fld>
             <a:endParaRPr lang="en-US"/>
           </a:p>
@@ -4130,7 +4130,7 @@
           <a:p>
             <a:fld id="{780A9602-A9A9-453F-AEF1-37B5837E02CD}" type="datetime1">
               <a:rPr lang="en-US" smtClean="0"/>
-              <a:t>9/15/2025</a:t>
+              <a:t>9/25/2025</a:t>
             </a:fld>
             <a:endParaRPr lang="en-US"/>
           </a:p>
@@ -4678,10 +4678,10 @@
           <p:cNvPr id="36" name="Rectangle 24">
             <a:extLst>
               <a:ext uri="{FF2B5EF4-FFF2-40B4-BE49-F238E27FC236}">
-                <a16:creationId xmlns:a16="http://schemas.microsoft.com/office/drawing/2014/main" xmlns="" id="{3E443FD7-A66B-4AA0-872D-B088B9BC5F17}"/>
+                <a16:creationId xmlns="" xmlns:a16="http://schemas.microsoft.com/office/drawing/2014/main" id="{3E443FD7-A66B-4AA0-872D-B088B9BC5F17}"/>
               </a:ext>
               <a:ext uri="{C183D7F6-B498-43B3-948B-1728B52AA6E4}">
-                <adec:decorative xmlns:adec="http://schemas.microsoft.com/office/drawing/2017/decorative" xmlns="" val="1"/>
+                <adec:decorative xmlns="" xmlns:adec="http://schemas.microsoft.com/office/drawing/2017/decorative" val="1"/>
               </a:ext>
             </a:extLst>
           </p:cNvPr>
@@ -4691,7 +4691,7 @@
           <p:nvPr>
             <p:extLst>
               <p:ext uri="{386F3935-93C4-4BCD-93E2-E3B085C9AB24}">
-                <p16:designElem xmlns:p16="http://schemas.microsoft.com/office/powerpoint/2015/main" xmlns="" val="1"/>
+                <p16:designElem xmlns="" xmlns:p16="http://schemas.microsoft.com/office/powerpoint/2015/main" val="1"/>
               </p:ext>
             </p:extLst>
           </p:nvPr>
@@ -4738,10 +4738,10 @@
           <p:cNvPr id="37" name="Freeform: Shape 26">
             <a:extLst>
               <a:ext uri="{FF2B5EF4-FFF2-40B4-BE49-F238E27FC236}">
-                <a16:creationId xmlns:a16="http://schemas.microsoft.com/office/drawing/2014/main" xmlns="" id="{C04BE0EF-3561-49B4-9A29-F283168A91C7}"/>
+                <a16:creationId xmlns="" xmlns:a16="http://schemas.microsoft.com/office/drawing/2014/main" id="{C04BE0EF-3561-49B4-9A29-F283168A91C7}"/>
               </a:ext>
               <a:ext uri="{C183D7F6-B498-43B3-948B-1728B52AA6E4}">
-                <adec:decorative xmlns:adec="http://schemas.microsoft.com/office/drawing/2017/decorative" xmlns="" val="1"/>
+                <adec:decorative xmlns="" xmlns:adec="http://schemas.microsoft.com/office/drawing/2017/decorative" val="1"/>
               </a:ext>
             </a:extLst>
           </p:cNvPr>
@@ -4751,7 +4751,7 @@
           <p:nvPr>
             <p:extLst>
               <p:ext uri="{386F3935-93C4-4BCD-93E2-E3B085C9AB24}">
-                <p16:designElem xmlns:p16="http://schemas.microsoft.com/office/powerpoint/2015/main" xmlns="" val="1"/>
+                <p16:designElem xmlns="" xmlns:p16="http://schemas.microsoft.com/office/powerpoint/2015/main" val="1"/>
               </p:ext>
             </p:extLst>
           </p:nvPr>
@@ -5512,7 +5512,7 @@
           <p:cNvPr id="5" name="Picture 4">
             <a:extLst>
               <a:ext uri="{FF2B5EF4-FFF2-40B4-BE49-F238E27FC236}">
-                <a16:creationId xmlns:a16="http://schemas.microsoft.com/office/drawing/2014/main" xmlns="" id="{9120848B-B2B4-45BE-A961-AEC0B06CF41B}"/>
+                <a16:creationId xmlns="" xmlns:a16="http://schemas.microsoft.com/office/drawing/2014/main" id="{9120848B-B2B4-45BE-A961-AEC0B06CF41B}"/>
               </a:ext>
             </a:extLst>
           </p:cNvPr>
@@ -6034,10 +6034,10 @@
           <p:cNvPr id="10" name="Oval 9" descr="Your startup LOGO">
             <a:extLst>
               <a:ext uri="{FF2B5EF4-FFF2-40B4-BE49-F238E27FC236}">
-                <a16:creationId xmlns:a16="http://schemas.microsoft.com/office/drawing/2014/main" xmlns="" id="{5DBCE864-823D-4A13-9607-5DA1F0ED5FB8}"/>
+                <a16:creationId xmlns="" xmlns:a16="http://schemas.microsoft.com/office/drawing/2014/main" id="{5DBCE864-823D-4A13-9607-5DA1F0ED5FB8}"/>
               </a:ext>
               <a:ext uri="{C183D7F6-B498-43B3-948B-1728B52AA6E4}">
-                <adec:decorative xmlns:adec="http://schemas.microsoft.com/office/drawing/2017/decorative" xmlns="" val="0"/>
+                <adec:decorative xmlns="" xmlns:adec="http://schemas.microsoft.com/office/drawing/2017/decorative" val="0"/>
               </a:ext>
             </a:extLst>
           </p:cNvPr>
@@ -8064,8 +8064,8 @@
         </p:nvSpPr>
         <p:spPr>
           <a:xfrm>
-            <a:off x="8086" y="2919295"/>
-            <a:ext cx="3114856" cy="1631216"/>
+            <a:off x="59846" y="2826196"/>
+            <a:ext cx="3090371" cy="1785104"/>
           </a:xfrm>
           <a:prstGeom prst="rect">
             <a:avLst/>
@@ -8078,68 +8078,72 @@
           </a:bodyPr>
           <a:lstStyle/>
           <a:p>
-            <a:pPr algn="ctr"/>
-            <a:r>
-              <a:rPr lang="en-US" sz="1600" b="1" u="sng" dirty="0"/>
+            <a:pPr lvl="0" algn="ctr" defTabSz="914400" eaLnBrk="0" hangingPunct="0"/>
+            <a:r>
+              <a:rPr lang="en-US" altLang="en-US" sz="1100" b="1" u="sng" dirty="0" smtClean="0">
+                <a:latin typeface="Arial" panose="020B0604020202020204" pitchFamily="34" charset="0"/>
+              </a:rPr>
               <a:t>Proposed Solution</a:t>
             </a:r>
           </a:p>
           <a:p>
-            <a:pPr marL="285750" indent="-285750">
-              <a:buFont typeface="Arial" panose="020B0604020202020204" pitchFamily="34" charset="0"/>
+            <a:pPr lvl="0" defTabSz="914400" eaLnBrk="0" hangingPunct="0">
+              <a:buFontTx/>
               <a:buChar char="•"/>
             </a:pPr>
             <a:r>
-              <a:rPr lang="en-US" sz="1400" dirty="0"/>
-              <a:t>A centralized system to </a:t>
-            </a:r>
-            <a:r>
-              <a:rPr lang="en-IN" sz="1400" dirty="0"/>
-              <a:t>harmonize siloed datasets using </a:t>
-            </a:r>
-            <a:r>
-              <a:rPr lang="en-IN" sz="1400" b="1" dirty="0"/>
-              <a:t>AI/ML</a:t>
-            </a:r>
-            <a:r>
-              <a:rPr lang="en-IN" sz="1400" dirty="0"/>
-              <a:t>.</a:t>
-            </a:r>
-          </a:p>
-          <a:p>
-            <a:pPr marL="285750" indent="-285750">
-              <a:buFont typeface="Arial" panose="020B0604020202020204" pitchFamily="34" charset="0"/>
+              <a:rPr lang="en-US" altLang="en-US" sz="1100" b="1" dirty="0" smtClean="0">
+                <a:latin typeface="Arial" panose="020B0604020202020204" pitchFamily="34" charset="0"/>
+              </a:rPr>
+              <a:t>Unified </a:t>
+            </a:r>
+            <a:r>
+              <a:rPr lang="en-US" altLang="en-US" sz="1100" b="1" dirty="0">
+                <a:latin typeface="Arial" panose="020B0604020202020204" pitchFamily="34" charset="0"/>
+              </a:rPr>
+              <a:t>Secure Platform</a:t>
+            </a:r>
+            <a:r>
+              <a:rPr lang="en-US" altLang="en-US" sz="1100" dirty="0">
+                <a:latin typeface="Arial" panose="020B0604020202020204" pitchFamily="34" charset="0"/>
+              </a:rPr>
+              <a:t> – Centralized cloud system integrating ocean, fisheries &amp; molecular data.</a:t>
+            </a:r>
+          </a:p>
+          <a:p>
+            <a:pPr lvl="0" defTabSz="914400" eaLnBrk="0" hangingPunct="0">
+              <a:buFontTx/>
               <a:buChar char="•"/>
             </a:pPr>
             <a:r>
-              <a:rPr lang="en-US" sz="1400" dirty="0"/>
-              <a:t>Provides </a:t>
-            </a:r>
-            <a:r>
-              <a:rPr lang="en-US" sz="1400" b="1" dirty="0"/>
-              <a:t>real-time visualization and analytics</a:t>
-            </a:r>
-            <a:r>
-              <a:rPr lang="en-US" sz="1400" dirty="0"/>
-              <a:t>.</a:t>
-            </a:r>
-          </a:p>
-          <a:p>
-            <a:pPr marL="285750" indent="-285750">
-              <a:buFont typeface="Arial" panose="020B0604020202020204" pitchFamily="34" charset="0"/>
+              <a:rPr lang="en-US" altLang="en-US" sz="1100" b="1" dirty="0">
+                <a:latin typeface="Arial" panose="020B0604020202020204" pitchFamily="34" charset="0"/>
+              </a:rPr>
+              <a:t>AI/LLM Integration</a:t>
+            </a:r>
+            <a:r>
+              <a:rPr lang="en-US" altLang="en-US" sz="1100" dirty="0">
+                <a:latin typeface="Arial" panose="020B0604020202020204" pitchFamily="34" charset="0"/>
+              </a:rPr>
+              <a:t> – Advanced models for real-time predictions &amp; seamless data processing.</a:t>
+            </a:r>
+          </a:p>
+          <a:p>
+            <a:pPr lvl="0" defTabSz="914400" eaLnBrk="0" hangingPunct="0">
+              <a:buFontTx/>
               <a:buChar char="•"/>
             </a:pPr>
             <a:r>
-              <a:rPr lang="en-US" sz="1400" dirty="0"/>
-              <a:t>Includes </a:t>
-            </a:r>
-            <a:r>
-              <a:rPr lang="en-US" sz="1400" b="1" dirty="0"/>
-              <a:t>interactive dashboards</a:t>
-            </a:r>
-            <a:r>
-              <a:rPr lang="en-US" sz="1400" dirty="0"/>
-              <a:t> with intuitive insights.</a:t>
+              <a:rPr lang="en-US" altLang="en-US" sz="1100" b="1" dirty="0">
+                <a:latin typeface="Arial" panose="020B0604020202020204" pitchFamily="34" charset="0"/>
+              </a:rPr>
+              <a:t>Interactive Dashboard</a:t>
+            </a:r>
+            <a:r>
+              <a:rPr lang="en-US" altLang="en-US" sz="1100" dirty="0">
+                <a:latin typeface="Arial" panose="020B0604020202020204" pitchFamily="34" charset="0"/>
+              </a:rPr>
+              <a:t> – Search, maps &amp; visuals for actionable insights to researchers &amp; policymakers.</a:t>
             </a:r>
           </a:p>
         </p:txBody>
@@ -8438,7 +8442,7 @@
         </p:nvSpPr>
         <p:spPr>
           <a:xfrm flipH="1">
-            <a:off x="4927471" y="912356"/>
+            <a:off x="4927471" y="896555"/>
             <a:ext cx="7045052" cy="5114191"/>
           </a:xfrm>
           <a:prstGeom prst="rect">
@@ -8472,7 +8476,7 @@
           <p:cNvPr id="10" name="Rectangle 9">
             <a:extLst>
               <a:ext uri="{FF2B5EF4-FFF2-40B4-BE49-F238E27FC236}">
-                <a16:creationId xmlns:a16="http://schemas.microsoft.com/office/drawing/2014/main" xmlns="" id="{AD4F69D3-EEB0-4C4C-9434-B9960FB5854C}"/>
+                <a16:creationId xmlns="" xmlns:a16="http://schemas.microsoft.com/office/drawing/2014/main" id="{AD4F69D3-EEB0-4C4C-9434-B9960FB5854C}"/>
               </a:ext>
             </a:extLst>
           </p:cNvPr>
@@ -8629,10 +8633,10 @@
           <p:cNvPr id="11" name="Oval 10" descr="Your startup LOGO">
             <a:extLst>
               <a:ext uri="{FF2B5EF4-FFF2-40B4-BE49-F238E27FC236}">
-                <a16:creationId xmlns:a16="http://schemas.microsoft.com/office/drawing/2014/main" xmlns="" id="{5DBCE864-823D-4A13-9607-5DA1F0ED5FB8}"/>
+                <a16:creationId xmlns="" xmlns:a16="http://schemas.microsoft.com/office/drawing/2014/main" id="{5DBCE864-823D-4A13-9607-5DA1F0ED5FB8}"/>
               </a:ext>
               <a:ext uri="{C183D7F6-B498-43B3-948B-1728B52AA6E4}">
-                <adec:decorative xmlns:adec="http://schemas.microsoft.com/office/drawing/2017/decorative" xmlns="" val="0"/>
+                <adec:decorative xmlns="" xmlns:adec="http://schemas.microsoft.com/office/drawing/2017/decorative" val="0"/>
               </a:ext>
             </a:extLst>
           </p:cNvPr>
@@ -8757,7 +8761,7 @@
                 <a:gridCol w="4396155">
                   <a:extLst>
                     <a:ext uri="{9D8B030D-6E8A-4147-A177-3AD203B41FA5}">
-                      <a16:colId xmlns:a16="http://schemas.microsoft.com/office/drawing/2014/main" xmlns="" val="20000"/>
+                      <a16:colId xmlns="" xmlns:a16="http://schemas.microsoft.com/office/drawing/2014/main" val="20000"/>
                     </a:ext>
                   </a:extLst>
                 </a:gridCol>
@@ -8946,226 +8950,7 @@
                 </a:tc>
                 <a:extLst>
                   <a:ext uri="{0D108BD9-81ED-4DB2-BD59-A6C34878D82A}">
-                    <a16:rowId xmlns:a16="http://schemas.microsoft.com/office/drawing/2014/main" xmlns="" val="10000"/>
-                  </a:ext>
-                </a:extLst>
-              </a:tr>
-            </a:tbl>
-          </a:graphicData>
-        </a:graphic>
-      </p:graphicFrame>
-      <p:graphicFrame>
-        <p:nvGraphicFramePr>
-          <p:cNvPr id="14" name="Table 13"/>
-          <p:cNvGraphicFramePr>
-            <a:graphicFrameLocks noGrp="1"/>
-          </p:cNvGraphicFramePr>
-          <p:nvPr>
-            <p:extLst>
-              <p:ext uri="{D42A27DB-BD31-4B8C-83A1-F6EECF244321}">
-                <p14:modId xmlns:p14="http://schemas.microsoft.com/office/powerpoint/2010/main" val="3440032607"/>
-              </p:ext>
-            </p:extLst>
-          </p:nvPr>
-        </p:nvGraphicFramePr>
-        <p:xfrm>
-          <a:off x="5062067" y="1325881"/>
-          <a:ext cx="881533" cy="365760"/>
-        </p:xfrm>
-        <a:graphic>
-          <a:graphicData uri="http://schemas.openxmlformats.org/drawingml/2006/table">
-            <a:tbl>
-              <a:tblPr firstRow="1" bandRow="1">
-                <a:tableStyleId>{BC89EF96-8CEA-46FF-86C4-4CE0E7609802}</a:tableStyleId>
-              </a:tblPr>
-              <a:tblGrid>
-                <a:gridCol w="881533">
-                  <a:extLst>
-                    <a:ext uri="{9D8B030D-6E8A-4147-A177-3AD203B41FA5}">
-                      <a16:colId xmlns:a16="http://schemas.microsoft.com/office/drawing/2014/main" xmlns="" val="20000"/>
-                    </a:ext>
-                  </a:extLst>
-                </a:gridCol>
-              </a:tblGrid>
-              <a:tr h="303110">
-                <a:tc>
-                  <a:txBody>
-                    <a:bodyPr/>
-                    <a:lstStyle/>
-                    <a:p>
-                      <a:pPr algn="ctr"/>
-                      <a:r>
-                        <a:rPr lang="en-US" dirty="0"/>
-                        <a:t>Login</a:t>
-                      </a:r>
-                      <a:r>
-                        <a:rPr lang="en-US" baseline="0" dirty="0"/>
-                        <a:t> </a:t>
-                      </a:r>
-                      <a:endParaRPr lang="en-US" dirty="0"/>
-                    </a:p>
-                  </a:txBody>
-                  <a:tcPr/>
-                </a:tc>
-                <a:extLst>
-                  <a:ext uri="{0D108BD9-81ED-4DB2-BD59-A6C34878D82A}">
-                    <a16:rowId xmlns:a16="http://schemas.microsoft.com/office/drawing/2014/main" xmlns="" val="10000"/>
-                  </a:ext>
-                </a:extLst>
-              </a:tr>
-            </a:tbl>
-          </a:graphicData>
-        </a:graphic>
-      </p:graphicFrame>
-      <p:sp>
-        <p:nvSpPr>
-          <p:cNvPr id="15" name="Down Arrow 14"/>
-          <p:cNvSpPr/>
-          <p:nvPr/>
-        </p:nvSpPr>
-        <p:spPr>
-          <a:xfrm>
-            <a:off x="5379053" y="2250970"/>
-            <a:ext cx="166362" cy="313899"/>
-          </a:xfrm>
-          <a:prstGeom prst="downArrow">
-            <a:avLst/>
-          </a:prstGeom>
-        </p:spPr>
-        <p:style>
-          <a:lnRef idx="1">
-            <a:schemeClr val="accent1"/>
-          </a:lnRef>
-          <a:fillRef idx="3">
-            <a:schemeClr val="accent1"/>
-          </a:fillRef>
-          <a:effectRef idx="2">
-            <a:schemeClr val="accent1"/>
-          </a:effectRef>
-          <a:fontRef idx="minor">
-            <a:schemeClr val="lt1"/>
-          </a:fontRef>
-        </p:style>
-        <p:txBody>
-          <a:bodyPr rtlCol="0" anchor="ctr"/>
-          <a:lstStyle/>
-          <a:p>
-            <a:pPr algn="ctr"/>
-            <a:endParaRPr lang="en-US"/>
-          </a:p>
-        </p:txBody>
-      </p:sp>
-      <p:graphicFrame>
-        <p:nvGraphicFramePr>
-          <p:cNvPr id="19" name="Table 18"/>
-          <p:cNvGraphicFramePr>
-            <a:graphicFrameLocks noGrp="1"/>
-          </p:cNvGraphicFramePr>
-          <p:nvPr>
-            <p:extLst>
-              <p:ext uri="{D42A27DB-BD31-4B8C-83A1-F6EECF244321}">
-                <p14:modId xmlns:p14="http://schemas.microsoft.com/office/powerpoint/2010/main" val="2528231242"/>
-              </p:ext>
-            </p:extLst>
-          </p:nvPr>
-        </p:nvGraphicFramePr>
-        <p:xfrm>
-          <a:off x="6088550" y="1325881"/>
-          <a:ext cx="1395361" cy="365760"/>
-        </p:xfrm>
-        <a:graphic>
-          <a:graphicData uri="http://schemas.openxmlformats.org/drawingml/2006/table">
-            <a:tbl>
-              <a:tblPr firstRow="1" bandRow="1">
-                <a:tableStyleId>{BC89EF96-8CEA-46FF-86C4-4CE0E7609802}</a:tableStyleId>
-              </a:tblPr>
-              <a:tblGrid>
-                <a:gridCol w="1395361">
-                  <a:extLst>
-                    <a:ext uri="{9D8B030D-6E8A-4147-A177-3AD203B41FA5}">
-                      <a16:colId xmlns:a16="http://schemas.microsoft.com/office/drawing/2014/main" xmlns="" val="20000"/>
-                    </a:ext>
-                  </a:extLst>
-                </a:gridCol>
-              </a:tblGrid>
-              <a:tr h="365760">
-                <a:tc>
-                  <a:txBody>
-                    <a:bodyPr/>
-                    <a:lstStyle/>
-                    <a:p>
-                      <a:pPr algn="ctr"/>
-                      <a:r>
-                        <a:rPr lang="en-US" sz="1600" baseline="0" dirty="0"/>
-                        <a:t>Ai-Predictions </a:t>
-                      </a:r>
-                      <a:endParaRPr lang="en-US" sz="1600" dirty="0"/>
-                    </a:p>
-                  </a:txBody>
-                  <a:tcPr/>
-                </a:tc>
-                <a:extLst>
-                  <a:ext uri="{0D108BD9-81ED-4DB2-BD59-A6C34878D82A}">
-                    <a16:rowId xmlns:a16="http://schemas.microsoft.com/office/drawing/2014/main" xmlns="" val="10000"/>
-                  </a:ext>
-                </a:extLst>
-              </a:tr>
-            </a:tbl>
-          </a:graphicData>
-        </a:graphic>
-      </p:graphicFrame>
-      <p:graphicFrame>
-        <p:nvGraphicFramePr>
-          <p:cNvPr id="22" name="Table 21"/>
-          <p:cNvGraphicFramePr>
-            <a:graphicFrameLocks noGrp="1"/>
-          </p:cNvGraphicFramePr>
-          <p:nvPr>
-            <p:extLst>
-              <p:ext uri="{D42A27DB-BD31-4B8C-83A1-F6EECF244321}">
-                <p14:modId xmlns:p14="http://schemas.microsoft.com/office/powerpoint/2010/main" val="655557976"/>
-              </p:ext>
-            </p:extLst>
-          </p:nvPr>
-        </p:nvGraphicFramePr>
-        <p:xfrm>
-          <a:off x="9796272" y="1325881"/>
-          <a:ext cx="1676400" cy="366286"/>
-        </p:xfrm>
-        <a:graphic>
-          <a:graphicData uri="http://schemas.openxmlformats.org/drawingml/2006/table">
-            <a:tbl>
-              <a:tblPr firstRow="1" bandRow="1">
-                <a:tableStyleId>{BC89EF96-8CEA-46FF-86C4-4CE0E7609802}</a:tableStyleId>
-              </a:tblPr>
-              <a:tblGrid>
-                <a:gridCol w="1676400">
-                  <a:extLst>
-                    <a:ext uri="{9D8B030D-6E8A-4147-A177-3AD203B41FA5}">
-                      <a16:colId xmlns:a16="http://schemas.microsoft.com/office/drawing/2014/main" xmlns="" val="20000"/>
-                    </a:ext>
-                  </a:extLst>
-                </a:gridCol>
-              </a:tblGrid>
-              <a:tr h="366286">
-                <a:tc>
-                  <a:txBody>
-                    <a:bodyPr/>
-                    <a:lstStyle/>
-                    <a:p>
-                      <a:pPr algn="ctr"/>
-                      <a:r>
-                        <a:rPr lang="en-US" sz="1400" baseline="0" dirty="0"/>
-                        <a:t>Molecular data </a:t>
-                      </a:r>
-                      <a:endParaRPr lang="en-US" sz="1400" dirty="0"/>
-                    </a:p>
-                  </a:txBody>
-                  <a:tcPr/>
-                </a:tc>
-                <a:extLst>
-                  <a:ext uri="{0D108BD9-81ED-4DB2-BD59-A6C34878D82A}">
-                    <a16:rowId xmlns:a16="http://schemas.microsoft.com/office/drawing/2014/main" xmlns="" val="10000"/>
+                    <a16:rowId xmlns="" xmlns:a16="http://schemas.microsoft.com/office/drawing/2014/main" val="10000"/>
                   </a:ext>
                 </a:extLst>
               </a:tr>
@@ -9201,7 +8986,7 @@
                 <a:gridCol w="1780659">
                   <a:extLst>
                     <a:ext uri="{9D8B030D-6E8A-4147-A177-3AD203B41FA5}">
-                      <a16:colId xmlns:a16="http://schemas.microsoft.com/office/drawing/2014/main" xmlns="" val="20000"/>
+                      <a16:colId xmlns="" xmlns:a16="http://schemas.microsoft.com/office/drawing/2014/main" val="20000"/>
                     </a:ext>
                   </a:extLst>
                 </a:gridCol>
@@ -9277,7 +9062,7 @@
                 </a:tc>
                 <a:extLst>
                   <a:ext uri="{0D108BD9-81ED-4DB2-BD59-A6C34878D82A}">
-                    <a16:rowId xmlns:a16="http://schemas.microsoft.com/office/drawing/2014/main" xmlns="" val="10000"/>
+                    <a16:rowId xmlns="" xmlns:a16="http://schemas.microsoft.com/office/drawing/2014/main" val="10000"/>
                   </a:ext>
                 </a:extLst>
               </a:tr>
@@ -9287,276 +9072,6 @@
       </p:graphicFrame>
       <p:pic>
         <p:nvPicPr>
-          <p:cNvPr id="31" name="Picture 30"/>
-          <p:cNvPicPr>
-            <a:picLocks noChangeAspect="1"/>
-          </p:cNvPicPr>
-          <p:nvPr/>
-        </p:nvPicPr>
-        <p:blipFill rotWithShape="1">
-          <a:blip r:embed="rId5">
-            <a:extLst>
-              <a:ext uri="{28A0092B-C50C-407E-A947-70E740481C1C}">
-                <a14:useLocalDpi xmlns:a14="http://schemas.microsoft.com/office/drawing/2010/main" val="0"/>
-              </a:ext>
-            </a:extLst>
-          </a:blip>
-          <a:srcRect l="8027" t="30496" r="8312" b="32196"/>
-          <a:stretch/>
-        </p:blipFill>
-        <p:spPr>
-          <a:xfrm>
-            <a:off x="6000950" y="3855248"/>
-            <a:ext cx="1040895" cy="256829"/>
-          </a:xfrm>
-          <a:prstGeom prst="rect">
-            <a:avLst/>
-          </a:prstGeom>
-        </p:spPr>
-      </p:pic>
-      <p:sp>
-        <p:nvSpPr>
-          <p:cNvPr id="38" name="Down Arrow 37"/>
-          <p:cNvSpPr/>
-          <p:nvPr/>
-        </p:nvSpPr>
-        <p:spPr>
-          <a:xfrm>
-            <a:off x="8198377" y="4394301"/>
-            <a:ext cx="231613" cy="323750"/>
-          </a:xfrm>
-          <a:prstGeom prst="downArrow">
-            <a:avLst/>
-          </a:prstGeom>
-        </p:spPr>
-        <p:style>
-          <a:lnRef idx="1">
-            <a:schemeClr val="accent1"/>
-          </a:lnRef>
-          <a:fillRef idx="3">
-            <a:schemeClr val="accent1"/>
-          </a:fillRef>
-          <a:effectRef idx="2">
-            <a:schemeClr val="accent1"/>
-          </a:effectRef>
-          <a:fontRef idx="minor">
-            <a:schemeClr val="lt1"/>
-          </a:fontRef>
-        </p:style>
-        <p:txBody>
-          <a:bodyPr rtlCol="0" anchor="ctr"/>
-          <a:lstStyle/>
-          <a:p>
-            <a:pPr algn="ctr"/>
-            <a:endParaRPr lang="en-US"/>
-          </a:p>
-        </p:txBody>
-      </p:sp>
-      <p:pic>
-        <p:nvPicPr>
-          <p:cNvPr id="48" name="Picture 47"/>
-          <p:cNvPicPr>
-            <a:picLocks noChangeAspect="1"/>
-          </p:cNvPicPr>
-          <p:nvPr/>
-        </p:nvPicPr>
-        <p:blipFill rotWithShape="1">
-          <a:blip r:embed="rId6">
-            <a:extLst>
-              <a:ext uri="{28A0092B-C50C-407E-A947-70E740481C1C}">
-                <a14:useLocalDpi xmlns:a14="http://schemas.microsoft.com/office/drawing/2010/main" val="0"/>
-              </a:ext>
-            </a:extLst>
-          </a:blip>
-          <a:srcRect t="8185" b="10864"/>
-          <a:stretch/>
-        </p:blipFill>
-        <p:spPr>
-          <a:xfrm>
-            <a:off x="8498731" y="2482199"/>
-            <a:ext cx="623662" cy="605456"/>
-          </a:xfrm>
-          <a:prstGeom prst="rect">
-            <a:avLst/>
-          </a:prstGeom>
-        </p:spPr>
-      </p:pic>
-      <p:sp>
-        <p:nvSpPr>
-          <p:cNvPr id="57" name="TextBox 56"/>
-          <p:cNvSpPr txBox="1"/>
-          <p:nvPr/>
-        </p:nvSpPr>
-        <p:spPr>
-          <a:xfrm>
-            <a:off x="7651185" y="5521055"/>
-            <a:ext cx="1420450" cy="307777"/>
-          </a:xfrm>
-          <a:prstGeom prst="rect">
-            <a:avLst/>
-          </a:prstGeom>
-          <a:noFill/>
-        </p:spPr>
-        <p:txBody>
-          <a:bodyPr wrap="square" rtlCol="0">
-            <a:spAutoFit/>
-          </a:bodyPr>
-          <a:lstStyle/>
-          <a:p>
-            <a:r>
-              <a:rPr lang="en-US" sz="1400" dirty="0"/>
-              <a:t>Website Display </a:t>
-            </a:r>
-          </a:p>
-        </p:txBody>
-      </p:sp>
-      <p:sp>
-        <p:nvSpPr>
-          <p:cNvPr id="58" name="TextBox 57"/>
-          <p:cNvSpPr txBox="1"/>
-          <p:nvPr/>
-        </p:nvSpPr>
-        <p:spPr>
-          <a:xfrm>
-            <a:off x="8013309" y="4097879"/>
-            <a:ext cx="694421" cy="338554"/>
-          </a:xfrm>
-          <a:prstGeom prst="rect">
-            <a:avLst/>
-          </a:prstGeom>
-          <a:noFill/>
-        </p:spPr>
-        <p:txBody>
-          <a:bodyPr wrap="none" rtlCol="0">
-            <a:spAutoFit/>
-          </a:bodyPr>
-          <a:lstStyle/>
-          <a:p>
-            <a:r>
-              <a:rPr lang="en-US" sz="1600" dirty="0"/>
-              <a:t>AI/ML</a:t>
-            </a:r>
-          </a:p>
-        </p:txBody>
-      </p:sp>
-      <p:sp>
-        <p:nvSpPr>
-          <p:cNvPr id="59" name="TextBox 58"/>
-          <p:cNvSpPr txBox="1"/>
-          <p:nvPr/>
-        </p:nvSpPr>
-        <p:spPr>
-          <a:xfrm>
-            <a:off x="6148599" y="4086524"/>
-            <a:ext cx="956287" cy="307777"/>
-          </a:xfrm>
-          <a:prstGeom prst="rect">
-            <a:avLst/>
-          </a:prstGeom>
-          <a:noFill/>
-        </p:spPr>
-        <p:txBody>
-          <a:bodyPr wrap="none" rtlCol="0">
-            <a:spAutoFit/>
-          </a:bodyPr>
-          <a:lstStyle/>
-          <a:p>
-            <a:r>
-              <a:rPr lang="en-US" sz="1400" dirty="0"/>
-              <a:t>Search bar</a:t>
-            </a:r>
-          </a:p>
-        </p:txBody>
-      </p:sp>
-      <p:sp>
-        <p:nvSpPr>
-          <p:cNvPr id="61" name="TextBox 60"/>
-          <p:cNvSpPr txBox="1"/>
-          <p:nvPr/>
-        </p:nvSpPr>
-        <p:spPr>
-          <a:xfrm>
-            <a:off x="6855583" y="3038860"/>
-            <a:ext cx="519694" cy="307777"/>
-          </a:xfrm>
-          <a:prstGeom prst="rect">
-            <a:avLst/>
-          </a:prstGeom>
-          <a:noFill/>
-        </p:spPr>
-        <p:txBody>
-          <a:bodyPr wrap="none" rtlCol="0">
-            <a:spAutoFit/>
-          </a:bodyPr>
-          <a:lstStyle/>
-          <a:p>
-            <a:r>
-              <a:rPr lang="en-US" sz="1400" dirty="0"/>
-              <a:t>Map</a:t>
-            </a:r>
-          </a:p>
-        </p:txBody>
-      </p:sp>
-      <p:sp>
-        <p:nvSpPr>
-          <p:cNvPr id="64" name="TextBox 63"/>
-          <p:cNvSpPr txBox="1"/>
-          <p:nvPr/>
-        </p:nvSpPr>
-        <p:spPr>
-          <a:xfrm>
-            <a:off x="7806180" y="3044344"/>
-            <a:ext cx="1178905" cy="307777"/>
-          </a:xfrm>
-          <a:prstGeom prst="rect">
-            <a:avLst/>
-          </a:prstGeom>
-          <a:noFill/>
-        </p:spPr>
-        <p:txBody>
-          <a:bodyPr wrap="square" rtlCol="0">
-            <a:spAutoFit/>
-          </a:bodyPr>
-          <a:lstStyle/>
-          <a:p>
-            <a:r>
-              <a:rPr lang="en-US" sz="1400" dirty="0"/>
-              <a:t>Info</a:t>
-            </a:r>
-          </a:p>
-        </p:txBody>
-      </p:sp>
-      <p:sp>
-        <p:nvSpPr>
-          <p:cNvPr id="65" name="TextBox 64"/>
-          <p:cNvSpPr txBox="1"/>
-          <p:nvPr/>
-        </p:nvSpPr>
-        <p:spPr>
-          <a:xfrm>
-            <a:off x="8482369" y="3021781"/>
-            <a:ext cx="728084" cy="307777"/>
-          </a:xfrm>
-          <a:prstGeom prst="rect">
-            <a:avLst/>
-          </a:prstGeom>
-          <a:noFill/>
-        </p:spPr>
-        <p:txBody>
-          <a:bodyPr wrap="none" rtlCol="0">
-            <a:spAutoFit/>
-          </a:bodyPr>
-          <a:lstStyle/>
-          <a:p>
-            <a:r>
-              <a:rPr lang="en-US" sz="1400" dirty="0"/>
-              <a:t>Species</a:t>
-            </a:r>
-          </a:p>
-        </p:txBody>
-      </p:sp>
-      <p:pic>
-        <p:nvPicPr>
           <p:cNvPr id="72" name="Picture 71"/>
           <p:cNvPicPr>
             <a:picLocks noChangeAspect="1"/>
@@ -9564,7 +9079,7 @@
           <p:nvPr/>
         </p:nvPicPr>
         <p:blipFill>
-          <a:blip r:embed="rId7">
+          <a:blip r:embed="rId5">
             <a:extLst>
               <a:ext uri="{28A0092B-C50C-407E-A947-70E740481C1C}">
                 <a14:useLocalDpi xmlns:a14="http://schemas.microsoft.com/office/drawing/2010/main" val="0"/>
@@ -9585,1014 +9100,6 @@
           </a:prstGeom>
         </p:spPr>
       </p:pic>
-      <p:pic>
-        <p:nvPicPr>
-          <p:cNvPr id="16" name="Picture 15"/>
-          <p:cNvPicPr>
-            <a:picLocks noChangeAspect="1"/>
-          </p:cNvPicPr>
-          <p:nvPr/>
-        </p:nvPicPr>
-        <p:blipFill>
-          <a:blip r:embed="rId8">
-            <a:extLst>
-              <a:ext uri="{28A0092B-C50C-407E-A947-70E740481C1C}">
-                <a14:useLocalDpi xmlns:a14="http://schemas.microsoft.com/office/drawing/2010/main" val="0"/>
-              </a:ext>
-            </a:extLst>
-          </a:blip>
-          <a:stretch>
-            <a:fillRect/>
-          </a:stretch>
-        </p:blipFill>
-        <p:spPr>
-          <a:xfrm>
-            <a:off x="6332758" y="1691641"/>
-            <a:ext cx="539242" cy="539242"/>
-          </a:xfrm>
-          <a:prstGeom prst="rect">
-            <a:avLst/>
-          </a:prstGeom>
-        </p:spPr>
-      </p:pic>
-      <p:sp>
-        <p:nvSpPr>
-          <p:cNvPr id="62" name="Down Arrow 61"/>
-          <p:cNvSpPr/>
-          <p:nvPr/>
-        </p:nvSpPr>
-        <p:spPr>
-          <a:xfrm>
-            <a:off x="6510411" y="2230883"/>
-            <a:ext cx="191215" cy="1520013"/>
-          </a:xfrm>
-          <a:prstGeom prst="downArrow">
-            <a:avLst/>
-          </a:prstGeom>
-        </p:spPr>
-        <p:style>
-          <a:lnRef idx="1">
-            <a:schemeClr val="accent1"/>
-          </a:lnRef>
-          <a:fillRef idx="3">
-            <a:schemeClr val="accent1"/>
-          </a:fillRef>
-          <a:effectRef idx="2">
-            <a:schemeClr val="accent1"/>
-          </a:effectRef>
-          <a:fontRef idx="minor">
-            <a:schemeClr val="lt1"/>
-          </a:fontRef>
-        </p:style>
-        <p:txBody>
-          <a:bodyPr rtlCol="0" anchor="ctr"/>
-          <a:lstStyle/>
-          <a:p>
-            <a:pPr algn="ctr"/>
-            <a:endParaRPr lang="en-US"/>
-          </a:p>
-        </p:txBody>
-      </p:sp>
-      <p:pic>
-        <p:nvPicPr>
-          <p:cNvPr id="21" name="Picture 20"/>
-          <p:cNvPicPr>
-            <a:picLocks noChangeAspect="1"/>
-          </p:cNvPicPr>
-          <p:nvPr/>
-        </p:nvPicPr>
-        <p:blipFill rotWithShape="1">
-          <a:blip r:embed="rId9">
-            <a:extLst>
-              <a:ext uri="{28A0092B-C50C-407E-A947-70E740481C1C}">
-                <a14:useLocalDpi xmlns:a14="http://schemas.microsoft.com/office/drawing/2010/main" val="0"/>
-              </a:ext>
-            </a:extLst>
-          </a:blip>
-          <a:srcRect l="18065" t="27900" r="23520" b="27897"/>
-          <a:stretch/>
-        </p:blipFill>
-        <p:spPr>
-          <a:xfrm>
-            <a:off x="7674030" y="3680460"/>
-            <a:ext cx="1260319" cy="601980"/>
-          </a:xfrm>
-          <a:prstGeom prst="rect">
-            <a:avLst/>
-          </a:prstGeom>
-        </p:spPr>
-      </p:pic>
-      <p:pic>
-        <p:nvPicPr>
-          <p:cNvPr id="25" name="Picture 24"/>
-          <p:cNvPicPr>
-            <a:picLocks noChangeAspect="1"/>
-          </p:cNvPicPr>
-          <p:nvPr/>
-        </p:nvPicPr>
-        <p:blipFill>
-          <a:blip r:embed="rId10">
-            <a:extLst>
-              <a:ext uri="{28A0092B-C50C-407E-A947-70E740481C1C}">
-                <a14:useLocalDpi xmlns:a14="http://schemas.microsoft.com/office/drawing/2010/main" val="0"/>
-              </a:ext>
-            </a:extLst>
-          </a:blip>
-          <a:stretch>
-            <a:fillRect/>
-          </a:stretch>
-        </p:blipFill>
-        <p:spPr>
-          <a:xfrm>
-            <a:off x="6758229" y="2516376"/>
-            <a:ext cx="745080" cy="601692"/>
-          </a:xfrm>
-          <a:prstGeom prst="rect">
-            <a:avLst/>
-          </a:prstGeom>
-        </p:spPr>
-      </p:pic>
-      <p:pic>
-        <p:nvPicPr>
-          <p:cNvPr id="26" name="Picture 25"/>
-          <p:cNvPicPr>
-            <a:picLocks noChangeAspect="1"/>
-          </p:cNvPicPr>
-          <p:nvPr/>
-        </p:nvPicPr>
-        <p:blipFill rotWithShape="1">
-          <a:blip r:embed="rId11">
-            <a:extLst>
-              <a:ext uri="{28A0092B-C50C-407E-A947-70E740481C1C}">
-                <a14:useLocalDpi xmlns:a14="http://schemas.microsoft.com/office/drawing/2010/main" val="0"/>
-              </a:ext>
-            </a:extLst>
-          </a:blip>
-          <a:srcRect l="21717" t="17793" r="22283" b="32558"/>
-          <a:stretch/>
-        </p:blipFill>
-        <p:spPr>
-          <a:xfrm>
-            <a:off x="7640617" y="2496721"/>
-            <a:ext cx="650758" cy="621347"/>
-          </a:xfrm>
-          <a:prstGeom prst="rect">
-            <a:avLst/>
-          </a:prstGeom>
-        </p:spPr>
-      </p:pic>
-      <p:pic>
-        <p:nvPicPr>
-          <p:cNvPr id="32" name="Picture 31"/>
-          <p:cNvPicPr>
-            <a:picLocks noChangeAspect="1"/>
-          </p:cNvPicPr>
-          <p:nvPr/>
-        </p:nvPicPr>
-        <p:blipFill rotWithShape="1">
-          <a:blip r:embed="rId12">
-            <a:extLst>
-              <a:ext uri="{28A0092B-C50C-407E-A947-70E740481C1C}">
-                <a14:useLocalDpi xmlns:a14="http://schemas.microsoft.com/office/drawing/2010/main" val="0"/>
-              </a:ext>
-            </a:extLst>
-          </a:blip>
-          <a:srcRect l="25599" t="29006" r="25401" b="29194"/>
-          <a:stretch/>
-        </p:blipFill>
-        <p:spPr>
-          <a:xfrm>
-            <a:off x="7872568" y="4769101"/>
-            <a:ext cx="929892" cy="793255"/>
-          </a:xfrm>
-          <a:prstGeom prst="rect">
-            <a:avLst/>
-          </a:prstGeom>
-        </p:spPr>
-      </p:pic>
-      <p:sp>
-        <p:nvSpPr>
-          <p:cNvPr id="74" name="Bent-Up Arrow 73"/>
-          <p:cNvSpPr/>
-          <p:nvPr/>
-        </p:nvSpPr>
-        <p:spPr>
-          <a:xfrm rot="5400000">
-            <a:off x="6424775" y="3927908"/>
-            <a:ext cx="430952" cy="2264880"/>
-          </a:xfrm>
-          <a:prstGeom prst="bentUpArrow">
-            <a:avLst>
-              <a:gd name="adj1" fmla="val 9539"/>
-              <a:gd name="adj2" fmla="val 18223"/>
-              <a:gd name="adj3" fmla="val 28231"/>
-            </a:avLst>
-          </a:prstGeom>
-        </p:spPr>
-        <p:style>
-          <a:lnRef idx="1">
-            <a:schemeClr val="accent1"/>
-          </a:lnRef>
-          <a:fillRef idx="3">
-            <a:schemeClr val="accent1"/>
-          </a:fillRef>
-          <a:effectRef idx="2">
-            <a:schemeClr val="accent1"/>
-          </a:effectRef>
-          <a:fontRef idx="minor">
-            <a:schemeClr val="lt1"/>
-          </a:fontRef>
-        </p:style>
-        <p:txBody>
-          <a:bodyPr rtlCol="0" anchor="ctr"/>
-          <a:lstStyle/>
-          <a:p>
-            <a:pPr algn="ctr"/>
-            <a:endParaRPr lang="en-IN"/>
-          </a:p>
-        </p:txBody>
-      </p:sp>
-      <p:pic>
-        <p:nvPicPr>
-          <p:cNvPr id="75" name="Picture 74"/>
-          <p:cNvPicPr>
-            <a:picLocks noChangeAspect="1"/>
-          </p:cNvPicPr>
-          <p:nvPr/>
-        </p:nvPicPr>
-        <p:blipFill>
-          <a:blip r:embed="rId13">
-            <a:extLst>
-              <a:ext uri="{28A0092B-C50C-407E-A947-70E740481C1C}">
-                <a14:useLocalDpi xmlns:a14="http://schemas.microsoft.com/office/drawing/2010/main" val="0"/>
-              </a:ext>
-            </a:extLst>
-          </a:blip>
-          <a:stretch>
-            <a:fillRect/>
-          </a:stretch>
-        </p:blipFill>
-        <p:spPr>
-          <a:xfrm>
-            <a:off x="5037128" y="1720427"/>
-            <a:ext cx="929845" cy="527328"/>
-          </a:xfrm>
-          <a:prstGeom prst="rect">
-            <a:avLst/>
-          </a:prstGeom>
-        </p:spPr>
-      </p:pic>
-      <p:sp>
-        <p:nvSpPr>
-          <p:cNvPr id="8" name="Right Arrow 7"/>
-          <p:cNvSpPr/>
-          <p:nvPr/>
-        </p:nvSpPr>
-        <p:spPr>
-          <a:xfrm>
-            <a:off x="7136474" y="3916912"/>
-            <a:ext cx="643680" cy="195177"/>
-          </a:xfrm>
-          <a:prstGeom prst="rightArrow">
-            <a:avLst/>
-          </a:prstGeom>
-        </p:spPr>
-        <p:style>
-          <a:lnRef idx="1">
-            <a:schemeClr val="accent1"/>
-          </a:lnRef>
-          <a:fillRef idx="3">
-            <a:schemeClr val="accent1"/>
-          </a:fillRef>
-          <a:effectRef idx="2">
-            <a:schemeClr val="accent1"/>
-          </a:effectRef>
-          <a:fontRef idx="minor">
-            <a:schemeClr val="lt1"/>
-          </a:fontRef>
-        </p:style>
-        <p:txBody>
-          <a:bodyPr rtlCol="0" anchor="ctr"/>
-          <a:lstStyle/>
-          <a:p>
-            <a:pPr algn="ctr"/>
-            <a:endParaRPr lang="en-IN"/>
-          </a:p>
-        </p:txBody>
-      </p:sp>
-      <p:cxnSp>
-        <p:nvCxnSpPr>
-          <p:cNvPr id="13" name="Straight Arrow Connector 12"/>
-          <p:cNvCxnSpPr/>
-          <p:nvPr/>
-        </p:nvCxnSpPr>
-        <p:spPr>
-          <a:xfrm>
-            <a:off x="7265914" y="3329558"/>
-            <a:ext cx="578366" cy="421338"/>
-          </a:xfrm>
-          <a:prstGeom prst="straightConnector1">
-            <a:avLst/>
-          </a:prstGeom>
-          <a:ln>
-            <a:tailEnd type="triangle"/>
-          </a:ln>
-        </p:spPr>
-        <p:style>
-          <a:lnRef idx="2">
-            <a:schemeClr val="accent1"/>
-          </a:lnRef>
-          <a:fillRef idx="0">
-            <a:schemeClr val="accent1"/>
-          </a:fillRef>
-          <a:effectRef idx="1">
-            <a:schemeClr val="accent1"/>
-          </a:effectRef>
-          <a:fontRef idx="minor">
-            <a:schemeClr val="tx1"/>
-          </a:fontRef>
-        </p:style>
-      </p:cxnSp>
-      <p:sp>
-        <p:nvSpPr>
-          <p:cNvPr id="18" name="Rectangle 17"/>
-          <p:cNvSpPr/>
-          <p:nvPr/>
-        </p:nvSpPr>
-        <p:spPr>
-          <a:xfrm>
-            <a:off x="6972299" y="912356"/>
-            <a:ext cx="3248515" cy="339693"/>
-          </a:xfrm>
-          <a:prstGeom prst="rect">
-            <a:avLst/>
-          </a:prstGeom>
-        </p:spPr>
-        <p:style>
-          <a:lnRef idx="2">
-            <a:schemeClr val="dk1"/>
-          </a:lnRef>
-          <a:fillRef idx="1">
-            <a:schemeClr val="lt1"/>
-          </a:fillRef>
-          <a:effectRef idx="0">
-            <a:schemeClr val="dk1"/>
-          </a:effectRef>
-          <a:fontRef idx="minor">
-            <a:schemeClr val="dk1"/>
-          </a:fontRef>
-        </p:style>
-        <p:txBody>
-          <a:bodyPr rtlCol="0" anchor="ctr"/>
-          <a:lstStyle/>
-          <a:p>
-            <a:pPr algn="ctr"/>
-            <a:r>
-              <a:rPr lang="en-US" dirty="0"/>
-              <a:t>Key Features of the </a:t>
-            </a:r>
-            <a:r>
-              <a:rPr lang="en-US" b="1" i="1" u="sng" dirty="0" err="1"/>
-              <a:t>OceanAI</a:t>
-            </a:r>
-            <a:endParaRPr lang="en-IN" b="1" i="1" u="sng" dirty="0"/>
-          </a:p>
-        </p:txBody>
-      </p:sp>
-      <p:cxnSp>
-        <p:nvCxnSpPr>
-          <p:cNvPr id="23" name="Straight Arrow Connector 22"/>
-          <p:cNvCxnSpPr/>
-          <p:nvPr/>
-        </p:nvCxnSpPr>
-        <p:spPr>
-          <a:xfrm>
-            <a:off x="8103210" y="3294256"/>
-            <a:ext cx="60114" cy="405282"/>
-          </a:xfrm>
-          <a:prstGeom prst="straightConnector1">
-            <a:avLst/>
-          </a:prstGeom>
-          <a:ln>
-            <a:tailEnd type="triangle"/>
-          </a:ln>
-        </p:spPr>
-        <p:style>
-          <a:lnRef idx="2">
-            <a:schemeClr val="accent1"/>
-          </a:lnRef>
-          <a:fillRef idx="0">
-            <a:schemeClr val="accent1"/>
-          </a:fillRef>
-          <a:effectRef idx="1">
-            <a:schemeClr val="accent1"/>
-          </a:effectRef>
-          <a:fontRef idx="minor">
-            <a:schemeClr val="tx1"/>
-          </a:fontRef>
-        </p:style>
-      </p:cxnSp>
-      <p:cxnSp>
-        <p:nvCxnSpPr>
-          <p:cNvPr id="27" name="Straight Arrow Connector 26"/>
-          <p:cNvCxnSpPr>
-            <a:cxnSpLocks/>
-          </p:cNvCxnSpPr>
-          <p:nvPr/>
-        </p:nvCxnSpPr>
-        <p:spPr>
-          <a:xfrm flipH="1">
-            <a:off x="8540595" y="3391953"/>
-            <a:ext cx="252135" cy="319247"/>
-          </a:xfrm>
-          <a:prstGeom prst="straightConnector1">
-            <a:avLst/>
-          </a:prstGeom>
-          <a:ln>
-            <a:tailEnd type="triangle"/>
-          </a:ln>
-        </p:spPr>
-        <p:style>
-          <a:lnRef idx="2">
-            <a:schemeClr val="accent1"/>
-          </a:lnRef>
-          <a:fillRef idx="0">
-            <a:schemeClr val="accent1"/>
-          </a:fillRef>
-          <a:effectRef idx="1">
-            <a:schemeClr val="accent1"/>
-          </a:effectRef>
-          <a:fontRef idx="minor">
-            <a:schemeClr val="tx1"/>
-          </a:fontRef>
-        </p:style>
-      </p:cxnSp>
-      <p:pic>
-        <p:nvPicPr>
-          <p:cNvPr id="34" name="Picture 33"/>
-          <p:cNvPicPr>
-            <a:picLocks noChangeAspect="1"/>
-          </p:cNvPicPr>
-          <p:nvPr/>
-        </p:nvPicPr>
-        <p:blipFill>
-          <a:blip r:embed="rId14">
-            <a:extLst>
-              <a:ext uri="{28A0092B-C50C-407E-A947-70E740481C1C}">
-                <a14:useLocalDpi xmlns:a14="http://schemas.microsoft.com/office/drawing/2010/main" val="0"/>
-              </a:ext>
-            </a:extLst>
-          </a:blip>
-          <a:stretch>
-            <a:fillRect/>
-          </a:stretch>
-        </p:blipFill>
-        <p:spPr>
-          <a:xfrm>
-            <a:off x="9661145" y="1752864"/>
-            <a:ext cx="399175" cy="655056"/>
-          </a:xfrm>
-          <a:prstGeom prst="rect">
-            <a:avLst/>
-          </a:prstGeom>
-        </p:spPr>
-      </p:pic>
-      <p:sp>
-        <p:nvSpPr>
-          <p:cNvPr id="63" name="TextBox 62"/>
-          <p:cNvSpPr txBox="1"/>
-          <p:nvPr/>
-        </p:nvSpPr>
-        <p:spPr>
-          <a:xfrm>
-            <a:off x="9301663" y="2329734"/>
-            <a:ext cx="1265090" cy="523220"/>
-          </a:xfrm>
-          <a:prstGeom prst="rect">
-            <a:avLst/>
-          </a:prstGeom>
-          <a:noFill/>
-        </p:spPr>
-        <p:txBody>
-          <a:bodyPr wrap="none" rtlCol="0">
-            <a:spAutoFit/>
-          </a:bodyPr>
-          <a:lstStyle/>
-          <a:p>
-            <a:pPr algn="ctr"/>
-            <a:r>
-              <a:rPr lang="en-US" sz="1400" dirty="0"/>
-              <a:t>DNA Sequence</a:t>
-            </a:r>
-          </a:p>
-          <a:p>
-            <a:pPr algn="ctr"/>
-            <a:r>
-              <a:rPr lang="en-US" sz="1400" dirty="0"/>
-              <a:t>Analysis</a:t>
-            </a:r>
-          </a:p>
-        </p:txBody>
-      </p:sp>
-      <p:pic>
-        <p:nvPicPr>
-          <p:cNvPr id="35" name="Picture 34"/>
-          <p:cNvPicPr>
-            <a:picLocks noChangeAspect="1"/>
-          </p:cNvPicPr>
-          <p:nvPr/>
-        </p:nvPicPr>
-        <p:blipFill>
-          <a:blip r:embed="rId15">
-            <a:extLst>
-              <a:ext uri="{28A0092B-C50C-407E-A947-70E740481C1C}">
-                <a14:useLocalDpi xmlns:a14="http://schemas.microsoft.com/office/drawing/2010/main" val="0"/>
-              </a:ext>
-            </a:extLst>
-          </a:blip>
-          <a:stretch>
-            <a:fillRect/>
-          </a:stretch>
-        </p:blipFill>
-        <p:spPr>
-          <a:xfrm>
-            <a:off x="10788234" y="1834265"/>
-            <a:ext cx="989392" cy="559518"/>
-          </a:xfrm>
-          <a:prstGeom prst="rect">
-            <a:avLst/>
-          </a:prstGeom>
-        </p:spPr>
-      </p:pic>
-      <p:sp>
-        <p:nvSpPr>
-          <p:cNvPr id="69" name="TextBox 68"/>
-          <p:cNvSpPr txBox="1"/>
-          <p:nvPr/>
-        </p:nvSpPr>
-        <p:spPr>
-          <a:xfrm>
-            <a:off x="10579624" y="2362487"/>
-            <a:ext cx="1453988" cy="307777"/>
-          </a:xfrm>
-          <a:prstGeom prst="rect">
-            <a:avLst/>
-          </a:prstGeom>
-          <a:noFill/>
-        </p:spPr>
-        <p:txBody>
-          <a:bodyPr wrap="none" rtlCol="0">
-            <a:spAutoFit/>
-          </a:bodyPr>
-          <a:lstStyle/>
-          <a:p>
-            <a:pPr algn="ctr"/>
-            <a:r>
-              <a:rPr lang="en-IN" sz="1400" dirty="0"/>
-              <a:t>Genetic Diversity</a:t>
-            </a:r>
-            <a:endParaRPr lang="en-US" sz="1400" dirty="0"/>
-          </a:p>
-        </p:txBody>
-      </p:sp>
-      <p:sp>
-        <p:nvSpPr>
-          <p:cNvPr id="36" name="Cross 35"/>
-          <p:cNvSpPr/>
-          <p:nvPr/>
-        </p:nvSpPr>
-        <p:spPr>
-          <a:xfrm>
-            <a:off x="10467693" y="3593256"/>
-            <a:ext cx="221481" cy="218100"/>
-          </a:xfrm>
-          <a:prstGeom prst="plus">
-            <a:avLst>
-              <a:gd name="adj" fmla="val 37408"/>
-            </a:avLst>
-          </a:prstGeom>
-        </p:spPr>
-        <p:style>
-          <a:lnRef idx="1">
-            <a:schemeClr val="accent1"/>
-          </a:lnRef>
-          <a:fillRef idx="3">
-            <a:schemeClr val="accent1"/>
-          </a:fillRef>
-          <a:effectRef idx="2">
-            <a:schemeClr val="accent1"/>
-          </a:effectRef>
-          <a:fontRef idx="minor">
-            <a:schemeClr val="lt1"/>
-          </a:fontRef>
-        </p:style>
-        <p:txBody>
-          <a:bodyPr rtlCol="0" anchor="ctr"/>
-          <a:lstStyle/>
-          <a:p>
-            <a:pPr algn="ctr"/>
-            <a:endParaRPr lang="en-IN"/>
-          </a:p>
-        </p:txBody>
-      </p:sp>
-      <p:cxnSp>
-        <p:nvCxnSpPr>
-          <p:cNvPr id="39" name="Elbow Connector 38"/>
-          <p:cNvCxnSpPr>
-            <a:stCxn id="63" idx="2"/>
-          </p:cNvCxnSpPr>
-          <p:nvPr/>
-        </p:nvCxnSpPr>
-        <p:spPr>
-          <a:xfrm rot="5400000" flipH="1" flipV="1">
-            <a:off x="10562004" y="2108339"/>
-            <a:ext cx="116819" cy="1372412"/>
-          </a:xfrm>
-          <a:prstGeom prst="bentConnector4">
-            <a:avLst>
-              <a:gd name="adj1" fmla="val -195687"/>
-              <a:gd name="adj2" fmla="val 100806"/>
-            </a:avLst>
-          </a:prstGeom>
-        </p:spPr>
-        <p:style>
-          <a:lnRef idx="2">
-            <a:schemeClr val="accent1"/>
-          </a:lnRef>
-          <a:fillRef idx="0">
-            <a:schemeClr val="accent1"/>
-          </a:fillRef>
-          <a:effectRef idx="1">
-            <a:schemeClr val="accent1"/>
-          </a:effectRef>
-          <a:fontRef idx="minor">
-            <a:schemeClr val="tx1"/>
-          </a:fontRef>
-        </p:style>
-      </p:cxnSp>
-      <p:sp>
-        <p:nvSpPr>
-          <p:cNvPr id="76" name="Down Arrow 75"/>
-          <p:cNvSpPr/>
-          <p:nvPr/>
-        </p:nvSpPr>
-        <p:spPr>
-          <a:xfrm>
-            <a:off x="10492025" y="3082727"/>
-            <a:ext cx="191215" cy="347098"/>
-          </a:xfrm>
-          <a:prstGeom prst="downArrow">
-            <a:avLst/>
-          </a:prstGeom>
-        </p:spPr>
-        <p:style>
-          <a:lnRef idx="1">
-            <a:schemeClr val="accent1"/>
-          </a:lnRef>
-          <a:fillRef idx="3">
-            <a:schemeClr val="accent1"/>
-          </a:fillRef>
-          <a:effectRef idx="2">
-            <a:schemeClr val="accent1"/>
-          </a:effectRef>
-          <a:fontRef idx="minor">
-            <a:schemeClr val="lt1"/>
-          </a:fontRef>
-        </p:style>
-        <p:txBody>
-          <a:bodyPr rtlCol="0" anchor="ctr"/>
-          <a:lstStyle/>
-          <a:p>
-            <a:pPr algn="ctr"/>
-            <a:endParaRPr lang="en-US"/>
-          </a:p>
-        </p:txBody>
-      </p:sp>
-      <p:pic>
-        <p:nvPicPr>
-          <p:cNvPr id="56" name="Picture 55"/>
-          <p:cNvPicPr>
-            <a:picLocks noChangeAspect="1"/>
-          </p:cNvPicPr>
-          <p:nvPr/>
-        </p:nvPicPr>
-        <p:blipFill>
-          <a:blip r:embed="rId16">
-            <a:extLst>
-              <a:ext uri="{28A0092B-C50C-407E-A947-70E740481C1C}">
-                <a14:useLocalDpi xmlns:a14="http://schemas.microsoft.com/office/drawing/2010/main" val="0"/>
-              </a:ext>
-            </a:extLst>
-          </a:blip>
-          <a:stretch>
-            <a:fillRect/>
-          </a:stretch>
-        </p:blipFill>
-        <p:spPr>
-          <a:xfrm>
-            <a:off x="9618843" y="3530206"/>
-            <a:ext cx="782236" cy="289061"/>
-          </a:xfrm>
-          <a:prstGeom prst="rect">
-            <a:avLst/>
-          </a:prstGeom>
-        </p:spPr>
-      </p:pic>
-      <p:pic>
-        <p:nvPicPr>
-          <p:cNvPr id="77" name="Picture 76"/>
-          <p:cNvPicPr>
-            <a:picLocks noChangeAspect="1"/>
-          </p:cNvPicPr>
-          <p:nvPr/>
-        </p:nvPicPr>
-        <p:blipFill rotWithShape="1">
-          <a:blip r:embed="rId17">
-            <a:extLst>
-              <a:ext uri="{28A0092B-C50C-407E-A947-70E740481C1C}">
-                <a14:useLocalDpi xmlns:a14="http://schemas.microsoft.com/office/drawing/2010/main" val="0"/>
-              </a:ext>
-            </a:extLst>
-          </a:blip>
-          <a:srcRect b="15575"/>
-          <a:stretch/>
-        </p:blipFill>
-        <p:spPr>
-          <a:xfrm>
-            <a:off x="10841794" y="3422511"/>
-            <a:ext cx="495300" cy="554054"/>
-          </a:xfrm>
-          <a:prstGeom prst="rect">
-            <a:avLst/>
-          </a:prstGeom>
-        </p:spPr>
-      </p:pic>
-      <p:sp>
-        <p:nvSpPr>
-          <p:cNvPr id="81" name="Bent-Up Arrow 80"/>
-          <p:cNvSpPr/>
-          <p:nvPr/>
-        </p:nvSpPr>
-        <p:spPr>
-          <a:xfrm rot="16200000" flipH="1">
-            <a:off x="9102702" y="3750220"/>
-            <a:ext cx="1325691" cy="1790648"/>
-          </a:xfrm>
-          <a:prstGeom prst="bentUpArrow">
-            <a:avLst>
-              <a:gd name="adj1" fmla="val 4109"/>
-              <a:gd name="adj2" fmla="val 7363"/>
-              <a:gd name="adj3" fmla="val 11942"/>
-            </a:avLst>
-          </a:prstGeom>
-        </p:spPr>
-        <p:style>
-          <a:lnRef idx="1">
-            <a:schemeClr val="accent1"/>
-          </a:lnRef>
-          <a:fillRef idx="3">
-            <a:schemeClr val="accent1"/>
-          </a:fillRef>
-          <a:effectRef idx="2">
-            <a:schemeClr val="accent1"/>
-          </a:effectRef>
-          <a:fontRef idx="minor">
-            <a:schemeClr val="lt1"/>
-          </a:fontRef>
-        </p:style>
-        <p:txBody>
-          <a:bodyPr rtlCol="0" anchor="ctr"/>
-          <a:lstStyle/>
-          <a:p>
-            <a:pPr algn="ctr"/>
-            <a:endParaRPr lang="en-IN"/>
-          </a:p>
-        </p:txBody>
-      </p:sp>
-      <p:pic>
-        <p:nvPicPr>
-          <p:cNvPr id="24" name="Picture 23">
-            <a:extLst>
-              <a:ext uri="{FF2B5EF4-FFF2-40B4-BE49-F238E27FC236}">
-                <a16:creationId xmlns:a16="http://schemas.microsoft.com/office/drawing/2014/main" xmlns="" id="{7D286D33-817D-1481-A96D-6E01F0470FA7}"/>
-              </a:ext>
-            </a:extLst>
-          </p:cNvPr>
-          <p:cNvPicPr>
-            <a:picLocks noChangeAspect="1"/>
-          </p:cNvPicPr>
-          <p:nvPr/>
-        </p:nvPicPr>
-        <p:blipFill>
-          <a:blip r:embed="rId18"/>
-          <a:srcRect l="30766" t="31455" r="31482" b="34480"/>
-          <a:stretch>
-            <a:fillRect/>
-          </a:stretch>
-        </p:blipFill>
-        <p:spPr>
-          <a:xfrm>
-            <a:off x="5077362" y="2654940"/>
-            <a:ext cx="854754" cy="754787"/>
-          </a:xfrm>
-          <a:prstGeom prst="rect">
-            <a:avLst/>
-          </a:prstGeom>
-        </p:spPr>
-      </p:pic>
-      <p:sp>
-        <p:nvSpPr>
-          <p:cNvPr id="28" name="Down Arrow 14">
-            <a:extLst>
-              <a:ext uri="{FF2B5EF4-FFF2-40B4-BE49-F238E27FC236}">
-                <a16:creationId xmlns:a16="http://schemas.microsoft.com/office/drawing/2014/main" xmlns="" id="{64376D53-46CC-01E2-3399-07B71F5BBD5D}"/>
-              </a:ext>
-            </a:extLst>
-          </p:cNvPr>
-          <p:cNvSpPr/>
-          <p:nvPr/>
-        </p:nvSpPr>
-        <p:spPr>
-          <a:xfrm>
-            <a:off x="5366654" y="3683647"/>
-            <a:ext cx="253645" cy="421338"/>
-          </a:xfrm>
-          <a:prstGeom prst="downArrow">
-            <a:avLst/>
-          </a:prstGeom>
-        </p:spPr>
-        <p:style>
-          <a:lnRef idx="1">
-            <a:schemeClr val="accent1"/>
-          </a:lnRef>
-          <a:fillRef idx="3">
-            <a:schemeClr val="accent1"/>
-          </a:fillRef>
-          <a:effectRef idx="2">
-            <a:schemeClr val="accent1"/>
-          </a:effectRef>
-          <a:fontRef idx="minor">
-            <a:schemeClr val="lt1"/>
-          </a:fontRef>
-        </p:style>
-        <p:txBody>
-          <a:bodyPr rtlCol="0" anchor="ctr"/>
-          <a:lstStyle/>
-          <a:p>
-            <a:pPr algn="ctr"/>
-            <a:endParaRPr lang="en-US"/>
-          </a:p>
-        </p:txBody>
-      </p:sp>
-      <p:pic>
-        <p:nvPicPr>
-          <p:cNvPr id="30" name="Picture 29">
-            <a:extLst>
-              <a:ext uri="{FF2B5EF4-FFF2-40B4-BE49-F238E27FC236}">
-                <a16:creationId xmlns:a16="http://schemas.microsoft.com/office/drawing/2014/main" xmlns="" id="{E8076ABB-8076-EB89-8DD3-91B45B8AEA16}"/>
-              </a:ext>
-            </a:extLst>
-          </p:cNvPr>
-          <p:cNvPicPr>
-            <a:picLocks noChangeAspect="1"/>
-          </p:cNvPicPr>
-          <p:nvPr/>
-        </p:nvPicPr>
-        <p:blipFill>
-          <a:blip r:embed="rId19"/>
-          <a:srcRect t="8486" r="12560" b="8486"/>
-          <a:stretch>
-            <a:fillRect/>
-          </a:stretch>
-        </p:blipFill>
-        <p:spPr>
-          <a:xfrm>
-            <a:off x="5092268" y="3947055"/>
-            <a:ext cx="898705" cy="853352"/>
-          </a:xfrm>
-          <a:prstGeom prst="rect">
-            <a:avLst/>
-          </a:prstGeom>
-        </p:spPr>
-      </p:pic>
-      <p:sp>
-        <p:nvSpPr>
-          <p:cNvPr id="40" name="TextBox 39">
-            <a:extLst>
-              <a:ext uri="{FF2B5EF4-FFF2-40B4-BE49-F238E27FC236}">
-                <a16:creationId xmlns:a16="http://schemas.microsoft.com/office/drawing/2014/main" xmlns="" id="{03C60025-B448-F75C-2508-397A10326474}"/>
-              </a:ext>
-            </a:extLst>
-          </p:cNvPr>
-          <p:cNvSpPr txBox="1"/>
-          <p:nvPr/>
-        </p:nvSpPr>
-        <p:spPr>
-          <a:xfrm>
-            <a:off x="4975745" y="3367202"/>
-            <a:ext cx="1316140" cy="307777"/>
-          </a:xfrm>
-          <a:prstGeom prst="rect">
-            <a:avLst/>
-          </a:prstGeom>
-          <a:noFill/>
-        </p:spPr>
-        <p:txBody>
-          <a:bodyPr wrap="square" rtlCol="0">
-            <a:spAutoFit/>
-          </a:bodyPr>
-          <a:lstStyle/>
-          <a:p>
-            <a:r>
-              <a:rPr lang="en-US" sz="1400" dirty="0"/>
-              <a:t>Authentication</a:t>
-            </a:r>
-            <a:r>
-              <a:rPr lang="en-US" sz="1100" dirty="0"/>
-              <a:t> </a:t>
-            </a:r>
-            <a:endParaRPr lang="en-IN" sz="1100" dirty="0"/>
-          </a:p>
-        </p:txBody>
-      </p:sp>
-      <p:sp>
-        <p:nvSpPr>
-          <p:cNvPr id="42" name="TextBox 41">
-            <a:extLst>
-              <a:ext uri="{FF2B5EF4-FFF2-40B4-BE49-F238E27FC236}">
-                <a16:creationId xmlns:a16="http://schemas.microsoft.com/office/drawing/2014/main" xmlns="" id="{21B334A4-63EE-1DAE-1F1C-E0F44A7798D2}"/>
-              </a:ext>
-            </a:extLst>
-          </p:cNvPr>
-          <p:cNvSpPr txBox="1"/>
-          <p:nvPr/>
-        </p:nvSpPr>
-        <p:spPr>
-          <a:xfrm>
-            <a:off x="5222060" y="4592007"/>
-            <a:ext cx="1117905" cy="307777"/>
-          </a:xfrm>
-          <a:prstGeom prst="rect">
-            <a:avLst/>
-          </a:prstGeom>
-          <a:noFill/>
-        </p:spPr>
-        <p:txBody>
-          <a:bodyPr wrap="square" rtlCol="0">
-            <a:spAutoFit/>
-          </a:bodyPr>
-          <a:lstStyle/>
-          <a:p>
-            <a:r>
-              <a:rPr lang="en-US" sz="1400" dirty="0"/>
-              <a:t>cloud</a:t>
-            </a:r>
-            <a:endParaRPr lang="en-IN" sz="1400" dirty="0"/>
-          </a:p>
-        </p:txBody>
-      </p:sp>
-      <p:sp>
-        <p:nvSpPr>
-          <p:cNvPr id="53" name="TextBox 52">
-            <a:extLst>
-              <a:ext uri="{FF2B5EF4-FFF2-40B4-BE49-F238E27FC236}">
-                <a16:creationId xmlns:a16="http://schemas.microsoft.com/office/drawing/2014/main" xmlns="" id="{03C60025-B448-F75C-2508-397A10326474}"/>
-              </a:ext>
-            </a:extLst>
-          </p:cNvPr>
-          <p:cNvSpPr txBox="1"/>
-          <p:nvPr/>
-        </p:nvSpPr>
-        <p:spPr>
-          <a:xfrm>
-            <a:off x="10634472" y="3959379"/>
-            <a:ext cx="1316140" cy="523220"/>
-          </a:xfrm>
-          <a:prstGeom prst="rect">
-            <a:avLst/>
-          </a:prstGeom>
-          <a:noFill/>
-        </p:spPr>
-        <p:txBody>
-          <a:bodyPr wrap="square" rtlCol="0">
-            <a:spAutoFit/>
-          </a:bodyPr>
-          <a:lstStyle/>
-          <a:p>
-            <a:r>
-              <a:rPr lang="en-US" sz="1400" dirty="0" smtClean="0"/>
-              <a:t>Real-Time</a:t>
-            </a:r>
-          </a:p>
-          <a:p>
-            <a:r>
-              <a:rPr lang="en-US" sz="1400" dirty="0" err="1" smtClean="0"/>
-              <a:t>Updation</a:t>
-            </a:r>
-            <a:endParaRPr lang="en-IN" sz="1100" dirty="0"/>
-          </a:p>
-        </p:txBody>
-      </p:sp>
       <p:sp>
         <p:nvSpPr>
           <p:cNvPr id="3" name="TextBox 2"/>
@@ -10617,7 +9124,7 @@
           <a:p>
             <a:r>
               <a:rPr lang="en-US" dirty="0" smtClean="0">
-                <a:hlinkClick r:id="rId20"/>
+                <a:hlinkClick r:id="rId6"/>
               </a:rPr>
               <a:t>Demo Video</a:t>
             </a:r>
@@ -10625,6 +9132,35 @@
           </a:p>
         </p:txBody>
       </p:sp>
+      <p:pic>
+        <p:nvPicPr>
+          <p:cNvPr id="4" name="Picture 3"/>
+          <p:cNvPicPr>
+            <a:picLocks noChangeAspect="1"/>
+          </p:cNvPicPr>
+          <p:nvPr/>
+        </p:nvPicPr>
+        <p:blipFill rotWithShape="1">
+          <a:blip r:embed="rId7">
+            <a:extLst>
+              <a:ext uri="{28A0092B-C50C-407E-A947-70E740481C1C}">
+                <a14:useLocalDpi xmlns:a14="http://schemas.microsoft.com/office/drawing/2010/main" val="0"/>
+              </a:ext>
+            </a:extLst>
+          </a:blip>
+          <a:srcRect t="6538" b="11667"/>
+          <a:stretch/>
+        </p:blipFill>
+        <p:spPr>
+          <a:xfrm>
+            <a:off x="4949569" y="912356"/>
+            <a:ext cx="7022954" cy="5098390"/>
+          </a:xfrm>
+          <a:prstGeom prst="rect">
+            <a:avLst/>
+          </a:prstGeom>
+        </p:spPr>
+      </p:pic>
     </p:spTree>
   </p:cSld>
   <p:clrMapOvr>
@@ -10662,7 +9198,7 @@
           <p:cNvPr id="10" name="Rectangle 9">
             <a:extLst>
               <a:ext uri="{FF2B5EF4-FFF2-40B4-BE49-F238E27FC236}">
-                <a16:creationId xmlns:a16="http://schemas.microsoft.com/office/drawing/2014/main" xmlns="" id="{AD4F69D3-EEB0-4C4C-9434-B9960FB5854C}"/>
+                <a16:creationId xmlns="" xmlns:a16="http://schemas.microsoft.com/office/drawing/2014/main" id="{AD4F69D3-EEB0-4C4C-9434-B9960FB5854C}"/>
               </a:ext>
             </a:extLst>
           </p:cNvPr>
@@ -10913,10 +9449,10 @@
           <p:cNvPr id="12" name="Oval 11" descr="Your startup LOGO">
             <a:extLst>
               <a:ext uri="{FF2B5EF4-FFF2-40B4-BE49-F238E27FC236}">
-                <a16:creationId xmlns:a16="http://schemas.microsoft.com/office/drawing/2014/main" xmlns="" id="{5DBCE864-823D-4A13-9607-5DA1F0ED5FB8}"/>
+                <a16:creationId xmlns="" xmlns:a16="http://schemas.microsoft.com/office/drawing/2014/main" id="{5DBCE864-823D-4A13-9607-5DA1F0ED5FB8}"/>
               </a:ext>
               <a:ext uri="{C183D7F6-B498-43B3-948B-1728B52AA6E4}">
-                <adec:decorative xmlns:adec="http://schemas.microsoft.com/office/drawing/2017/decorative" xmlns="" val="0"/>
+                <adec:decorative xmlns="" xmlns:adec="http://schemas.microsoft.com/office/drawing/2017/decorative" val="0"/>
               </a:ext>
             </a:extLst>
           </p:cNvPr>
@@ -12003,7 +10539,7 @@
           <p:cNvPr id="10" name="Rectangle 9">
             <a:extLst>
               <a:ext uri="{FF2B5EF4-FFF2-40B4-BE49-F238E27FC236}">
-                <a16:creationId xmlns:a16="http://schemas.microsoft.com/office/drawing/2014/main" xmlns="" id="{AD4F69D3-EEB0-4C4C-9434-B9960FB5854C}"/>
+                <a16:creationId xmlns="" xmlns:a16="http://schemas.microsoft.com/office/drawing/2014/main" id="{AD4F69D3-EEB0-4C4C-9434-B9960FB5854C}"/>
               </a:ext>
             </a:extLst>
           </p:cNvPr>
@@ -12249,10 +10785,10 @@
           <p:cNvPr id="12" name="Oval 11" descr="Your startup LOGO">
             <a:extLst>
               <a:ext uri="{FF2B5EF4-FFF2-40B4-BE49-F238E27FC236}">
-                <a16:creationId xmlns:a16="http://schemas.microsoft.com/office/drawing/2014/main" xmlns="" id="{5DBCE864-823D-4A13-9607-5DA1F0ED5FB8}"/>
+                <a16:creationId xmlns="" xmlns:a16="http://schemas.microsoft.com/office/drawing/2014/main" id="{5DBCE864-823D-4A13-9607-5DA1F0ED5FB8}"/>
               </a:ext>
               <a:ext uri="{C183D7F6-B498-43B3-948B-1728B52AA6E4}">
-                <adec:decorative xmlns:adec="http://schemas.microsoft.com/office/drawing/2017/decorative" xmlns="" val="0"/>
+                <adec:decorative xmlns="" xmlns:adec="http://schemas.microsoft.com/office/drawing/2017/decorative" val="0"/>
               </a:ext>
             </a:extLst>
           </p:cNvPr>
@@ -12952,7 +11488,7 @@
           <p:cNvPr id="10" name="Rectangle 9">
             <a:extLst>
               <a:ext uri="{FF2B5EF4-FFF2-40B4-BE49-F238E27FC236}">
-                <a16:creationId xmlns:a16="http://schemas.microsoft.com/office/drawing/2014/main" xmlns="" id="{AD4F69D3-EEB0-4C4C-9434-B9960FB5854C}"/>
+                <a16:creationId xmlns="" xmlns:a16="http://schemas.microsoft.com/office/drawing/2014/main" id="{AD4F69D3-EEB0-4C4C-9434-B9960FB5854C}"/>
               </a:ext>
             </a:extLst>
           </p:cNvPr>
@@ -13198,10 +11734,10 @@
           <p:cNvPr id="9" name="Oval 8" descr="Your startup LOGO">
             <a:extLst>
               <a:ext uri="{FF2B5EF4-FFF2-40B4-BE49-F238E27FC236}">
-                <a16:creationId xmlns:a16="http://schemas.microsoft.com/office/drawing/2014/main" xmlns="" id="{5DBCE864-823D-4A13-9607-5DA1F0ED5FB8}"/>
+                <a16:creationId xmlns="" xmlns:a16="http://schemas.microsoft.com/office/drawing/2014/main" id="{5DBCE864-823D-4A13-9607-5DA1F0ED5FB8}"/>
               </a:ext>
               <a:ext uri="{C183D7F6-B498-43B3-948B-1728B52AA6E4}">
-                <adec:decorative xmlns:adec="http://schemas.microsoft.com/office/drawing/2017/decorative" xmlns="" val="0"/>
+                <adec:decorative xmlns="" xmlns:adec="http://schemas.microsoft.com/office/drawing/2017/decorative" val="0"/>
               </a:ext>
             </a:extLst>
           </p:cNvPr>
